--- a/What_is_AI/人工智能公开课.pptx
+++ b/What_is_AI/人工智能公开课.pptx
@@ -5,7 +5,7 @@
     <p:sldMasterId id="2147483648" r:id="rId1"/>
   </p:sldMasterIdLst>
   <p:notesMasterIdLst>
-    <p:notesMasterId r:id="rId18"/>
+    <p:notesMasterId r:id="rId23"/>
   </p:notesMasterIdLst>
   <p:sldIdLst>
     <p:sldId id="256" r:id="rId2"/>
@@ -23,7 +23,12 @@
     <p:sldId id="280" r:id="rId14"/>
     <p:sldId id="282" r:id="rId15"/>
     <p:sldId id="281" r:id="rId16"/>
-    <p:sldId id="258" r:id="rId17"/>
+    <p:sldId id="285" r:id="rId17"/>
+    <p:sldId id="286" r:id="rId18"/>
+    <p:sldId id="287" r:id="rId19"/>
+    <p:sldId id="288" r:id="rId20"/>
+    <p:sldId id="289" r:id="rId21"/>
+    <p:sldId id="258" r:id="rId22"/>
   </p:sldIdLst>
   <p:sldSz cx="12192000" cy="6858000"/>
   <p:notesSz cx="6858000" cy="9144000"/>
@@ -212,7 +217,7 @@
           <a:p>
             <a:fld id="{23BFA71E-5748-E34C-8AB4-B7A054ADA63A}" type="datetimeFigureOut">
               <a:rPr kumimoji="1" lang="zh-CN" altLang="en-US" smtClean="0"/>
-              <a:t>2018/6/9</a:t>
+              <a:t>2018/6/15</a:t>
             </a:fld>
             <a:endParaRPr kumimoji="1" lang="zh-CN" altLang="en-US"/>
           </a:p>
@@ -1378,7 +1383,7 @@
             </a:r>
             <a:r>
               <a:rPr lang="zh-CN" altLang="en-US" dirty="0"/>
-              <a:t>亮相与各大脱口秀节目</a:t>
+              <a:t>亮相各大脱口秀节目</a:t>
             </a:r>
             <a:r>
               <a:rPr lang="en-US" altLang="zh-CN" dirty="0"/>
@@ -2907,37 +2912,493 @@
           <a:chExt cx="0" cy="0"/>
         </a:xfrm>
       </p:grpSpPr>
-      <p:pic>
-        <p:nvPicPr>
-          <p:cNvPr id="2" name="图片 1"/>
-          <p:cNvPicPr>
-            <a:picLocks noChangeAspect="1"/>
-          </p:cNvPicPr>
-          <p:nvPr/>
-        </p:nvPicPr>
-        <p:blipFill>
-          <a:blip r:embed="rId2">
+      <p:sp>
+        <p:nvSpPr>
+          <p:cNvPr id="33" name="圆角矩形 2"/>
+          <p:cNvSpPr/>
+          <p:nvPr/>
+        </p:nvSpPr>
+        <p:spPr>
+          <a:xfrm>
+            <a:off x="1168249" y="1210414"/>
+            <a:ext cx="10331023" cy="4760896"/>
+          </a:xfrm>
+          <a:prstGeom prst="roundRect">
+            <a:avLst>
+              <a:gd name="adj" fmla="val 16667"/>
+            </a:avLst>
+          </a:prstGeom>
+          <a:solidFill>
+            <a:srgbClr val="FFFFFE">
+              <a:alpha val="50195"/>
+            </a:srgbClr>
+          </a:solidFill>
+          <a:ln w="12700">
+            <a:solidFill>
+              <a:srgbClr val="42719B"/>
+            </a:solidFill>
+            <a:miter/>
+          </a:ln>
+        </p:spPr>
+        <p:txBody>
+          <a:bodyPr lIns="45719" rIns="45719"/>
+          <a:lstStyle/>
+          <a:p>
+            <a:pPr>
+              <a:defRPr sz="2400">
+                <a:solidFill>
+                  <a:srgbClr val="FFFFFF"/>
+                </a:solidFill>
+                <a:latin typeface="黑体" panose="02010609060101010101" charset="-122"/>
+                <a:ea typeface="黑体" panose="02010609060101010101" charset="-122"/>
+                <a:cs typeface="黑体" panose="02010609060101010101" charset="-122"/>
+                <a:sym typeface="黑体" panose="02010609060101010101" charset="-122"/>
+              </a:defRPr>
+            </a:pPr>
+            <a:endParaRPr/>
+          </a:p>
+        </p:txBody>
+      </p:sp>
+      <p:sp>
+        <p:nvSpPr>
+          <p:cNvPr id="34" name="文本框 4"/>
+          <p:cNvSpPr txBox="1"/>
+          <p:nvPr/>
+        </p:nvSpPr>
+        <p:spPr>
+          <a:xfrm rot="20615195">
+            <a:off x="385350" y="328058"/>
+            <a:ext cx="1729741" cy="662941"/>
+          </a:xfrm>
+          <a:prstGeom prst="rect">
+            <a:avLst/>
+          </a:prstGeom>
+          <a:ln w="12700">
+            <a:miter lim="400000"/>
+          </a:ln>
+        </p:spPr>
+        <p:txBody>
+          <a:bodyPr wrap="none" lIns="45719" rIns="45719">
+            <a:spAutoFit/>
+          </a:bodyPr>
+          <a:lstStyle>
+            <a:lvl1pPr>
+              <a:defRPr sz="3200">
+                <a:solidFill>
+                  <a:srgbClr val="767171"/>
+                </a:solidFill>
+                <a:latin typeface="华文琥珀" panose="02010800040101010101" charset="-122"/>
+                <a:ea typeface="华文琥珀" panose="02010800040101010101" charset="-122"/>
+                <a:cs typeface="华文琥珀" panose="02010800040101010101" charset="-122"/>
+                <a:sym typeface="华文琥珀" panose="02010800040101010101" charset="-122"/>
+              </a:defRPr>
+            </a:lvl1pPr>
+          </a:lstStyle>
+          <a:p>
+            <a:r>
+              <a:t>课程内容</a:t>
+            </a:r>
+          </a:p>
+        </p:txBody>
+      </p:sp>
+      <p:sp>
+        <p:nvSpPr>
+          <p:cNvPr id="3" name="文本框 2">
             <a:extLst>
-              <a:ext uri="{28A0092B-C50C-407E-A947-70E740481C1C}">
-                <a14:useLocalDpi xmlns:a14="http://schemas.microsoft.com/office/drawing/2010/main" val="0"/>
+              <a:ext uri="{FF2B5EF4-FFF2-40B4-BE49-F238E27FC236}">
+                <a16:creationId xmlns:a16="http://schemas.microsoft.com/office/drawing/2014/main" id="{76996C2A-05B3-4EBB-9165-88C1B87F2473}"/>
               </a:ext>
             </a:extLst>
-          </a:blip>
-          <a:stretch>
-            <a:fillRect/>
-          </a:stretch>
-        </p:blipFill>
-        <p:spPr>
-          <a:xfrm>
-            <a:off x="0" y="0"/>
-            <a:ext cx="12192000" cy="6837841"/>
-          </a:xfrm>
-          <a:prstGeom prst="rect">
-            <a:avLst/>
-          </a:prstGeom>
-        </p:spPr>
-      </p:pic>
+          </p:cNvPr>
+          <p:cNvSpPr txBox="1"/>
+          <p:nvPr/>
+        </p:nvSpPr>
+        <p:spPr>
+          <a:xfrm>
+            <a:off x="3531766" y="1459684"/>
+            <a:ext cx="5150840" cy="461665"/>
+          </a:xfrm>
+          <a:prstGeom prst="rect">
+            <a:avLst/>
+          </a:prstGeom>
+          <a:noFill/>
+        </p:spPr>
+        <p:txBody>
+          <a:bodyPr wrap="square" rtlCol="0">
+            <a:spAutoFit/>
+          </a:bodyPr>
+          <a:lstStyle/>
+          <a:p>
+            <a:r>
+              <a:rPr lang="zh-CN" altLang="en-US" sz="2400" b="1" dirty="0"/>
+              <a:t>神经元是什么        第一个神经感知机</a:t>
+            </a:r>
+          </a:p>
+        </p:txBody>
+      </p:sp>
     </p:spTree>
+    <p:extLst>
+      <p:ext uri="{BB962C8B-B14F-4D97-AF65-F5344CB8AC3E}">
+        <p14:creationId xmlns:p14="http://schemas.microsoft.com/office/powerpoint/2010/main" val="3421129687"/>
+      </p:ext>
+    </p:extLst>
+  </p:cSld>
+  <p:clrMapOvr>
+    <a:masterClrMapping/>
+  </p:clrMapOvr>
+</p:sld>
+</file>
+
+<file path=ppt/slides/slide17.xml><?xml version="1.0" encoding="utf-8"?>
+<p:sld xmlns:a="http://schemas.openxmlformats.org/drawingml/2006/main" xmlns:r="http://schemas.openxmlformats.org/officeDocument/2006/relationships" xmlns:p="http://schemas.openxmlformats.org/presentationml/2006/main">
+  <p:cSld>
+    <p:spTree>
+      <p:nvGrpSpPr>
+        <p:cNvPr id="1" name=""/>
+        <p:cNvGrpSpPr/>
+        <p:nvPr/>
+      </p:nvGrpSpPr>
+      <p:grpSpPr>
+        <a:xfrm>
+          <a:off x="0" y="0"/>
+          <a:ext cx="0" cy="0"/>
+          <a:chOff x="0" y="0"/>
+          <a:chExt cx="0" cy="0"/>
+        </a:xfrm>
+      </p:grpSpPr>
+      <p:sp>
+        <p:nvSpPr>
+          <p:cNvPr id="33" name="圆角矩形 2"/>
+          <p:cNvSpPr/>
+          <p:nvPr/>
+        </p:nvSpPr>
+        <p:spPr>
+          <a:xfrm>
+            <a:off x="1168249" y="1210414"/>
+            <a:ext cx="10331023" cy="4760896"/>
+          </a:xfrm>
+          <a:prstGeom prst="roundRect">
+            <a:avLst>
+              <a:gd name="adj" fmla="val 16667"/>
+            </a:avLst>
+          </a:prstGeom>
+          <a:solidFill>
+            <a:srgbClr val="FFFFFE">
+              <a:alpha val="50195"/>
+            </a:srgbClr>
+          </a:solidFill>
+          <a:ln w="12700">
+            <a:solidFill>
+              <a:srgbClr val="42719B"/>
+            </a:solidFill>
+            <a:miter/>
+          </a:ln>
+        </p:spPr>
+        <p:txBody>
+          <a:bodyPr lIns="45719" rIns="45719"/>
+          <a:lstStyle/>
+          <a:p>
+            <a:pPr>
+              <a:defRPr sz="2400">
+                <a:solidFill>
+                  <a:srgbClr val="FFFFFF"/>
+                </a:solidFill>
+                <a:latin typeface="黑体" panose="02010609060101010101" charset="-122"/>
+                <a:ea typeface="黑体" panose="02010609060101010101" charset="-122"/>
+                <a:cs typeface="黑体" panose="02010609060101010101" charset="-122"/>
+                <a:sym typeface="黑体" panose="02010609060101010101" charset="-122"/>
+              </a:defRPr>
+            </a:pPr>
+            <a:endParaRPr/>
+          </a:p>
+        </p:txBody>
+      </p:sp>
+      <p:sp>
+        <p:nvSpPr>
+          <p:cNvPr id="34" name="文本框 4"/>
+          <p:cNvSpPr txBox="1"/>
+          <p:nvPr/>
+        </p:nvSpPr>
+        <p:spPr>
+          <a:xfrm rot="20615195">
+            <a:off x="385350" y="328058"/>
+            <a:ext cx="1729741" cy="662941"/>
+          </a:xfrm>
+          <a:prstGeom prst="rect">
+            <a:avLst/>
+          </a:prstGeom>
+          <a:ln w="12700">
+            <a:miter lim="400000"/>
+          </a:ln>
+        </p:spPr>
+        <p:txBody>
+          <a:bodyPr wrap="none" lIns="45719" rIns="45719">
+            <a:spAutoFit/>
+          </a:bodyPr>
+          <a:lstStyle>
+            <a:lvl1pPr>
+              <a:defRPr sz="3200">
+                <a:solidFill>
+                  <a:srgbClr val="767171"/>
+                </a:solidFill>
+                <a:latin typeface="华文琥珀" panose="02010800040101010101" charset="-122"/>
+                <a:ea typeface="华文琥珀" panose="02010800040101010101" charset="-122"/>
+                <a:cs typeface="华文琥珀" panose="02010800040101010101" charset="-122"/>
+                <a:sym typeface="华文琥珀" panose="02010800040101010101" charset="-122"/>
+              </a:defRPr>
+            </a:lvl1pPr>
+          </a:lstStyle>
+          <a:p>
+            <a:r>
+              <a:t>课程内容</a:t>
+            </a:r>
+          </a:p>
+        </p:txBody>
+      </p:sp>
+    </p:spTree>
+    <p:extLst>
+      <p:ext uri="{BB962C8B-B14F-4D97-AF65-F5344CB8AC3E}">
+        <p14:creationId xmlns:p14="http://schemas.microsoft.com/office/powerpoint/2010/main" val="1820746359"/>
+      </p:ext>
+    </p:extLst>
+  </p:cSld>
+  <p:clrMapOvr>
+    <a:masterClrMapping/>
+  </p:clrMapOvr>
+</p:sld>
+</file>
+
+<file path=ppt/slides/slide18.xml><?xml version="1.0" encoding="utf-8"?>
+<p:sld xmlns:a="http://schemas.openxmlformats.org/drawingml/2006/main" xmlns:r="http://schemas.openxmlformats.org/officeDocument/2006/relationships" xmlns:p="http://schemas.openxmlformats.org/presentationml/2006/main">
+  <p:cSld>
+    <p:spTree>
+      <p:nvGrpSpPr>
+        <p:cNvPr id="1" name=""/>
+        <p:cNvGrpSpPr/>
+        <p:nvPr/>
+      </p:nvGrpSpPr>
+      <p:grpSpPr>
+        <a:xfrm>
+          <a:off x="0" y="0"/>
+          <a:ext cx="0" cy="0"/>
+          <a:chOff x="0" y="0"/>
+          <a:chExt cx="0" cy="0"/>
+        </a:xfrm>
+      </p:grpSpPr>
+      <p:sp>
+        <p:nvSpPr>
+          <p:cNvPr id="33" name="圆角矩形 2"/>
+          <p:cNvSpPr/>
+          <p:nvPr/>
+        </p:nvSpPr>
+        <p:spPr>
+          <a:xfrm>
+            <a:off x="1168249" y="1210414"/>
+            <a:ext cx="10331023" cy="4760896"/>
+          </a:xfrm>
+          <a:prstGeom prst="roundRect">
+            <a:avLst>
+              <a:gd name="adj" fmla="val 16667"/>
+            </a:avLst>
+          </a:prstGeom>
+          <a:solidFill>
+            <a:srgbClr val="FFFFFE">
+              <a:alpha val="50195"/>
+            </a:srgbClr>
+          </a:solidFill>
+          <a:ln w="12700">
+            <a:solidFill>
+              <a:srgbClr val="42719B"/>
+            </a:solidFill>
+            <a:miter/>
+          </a:ln>
+        </p:spPr>
+        <p:txBody>
+          <a:bodyPr lIns="45719" rIns="45719"/>
+          <a:lstStyle/>
+          <a:p>
+            <a:pPr>
+              <a:defRPr sz="2400">
+                <a:solidFill>
+                  <a:srgbClr val="FFFFFF"/>
+                </a:solidFill>
+                <a:latin typeface="黑体" panose="02010609060101010101" charset="-122"/>
+                <a:ea typeface="黑体" panose="02010609060101010101" charset="-122"/>
+                <a:cs typeface="黑体" panose="02010609060101010101" charset="-122"/>
+                <a:sym typeface="黑体" panose="02010609060101010101" charset="-122"/>
+              </a:defRPr>
+            </a:pPr>
+            <a:endParaRPr/>
+          </a:p>
+        </p:txBody>
+      </p:sp>
+      <p:sp>
+        <p:nvSpPr>
+          <p:cNvPr id="34" name="文本框 4"/>
+          <p:cNvSpPr txBox="1"/>
+          <p:nvPr/>
+        </p:nvSpPr>
+        <p:spPr>
+          <a:xfrm rot="20615195">
+            <a:off x="385350" y="328058"/>
+            <a:ext cx="1729741" cy="662941"/>
+          </a:xfrm>
+          <a:prstGeom prst="rect">
+            <a:avLst/>
+          </a:prstGeom>
+          <a:ln w="12700">
+            <a:miter lim="400000"/>
+          </a:ln>
+        </p:spPr>
+        <p:txBody>
+          <a:bodyPr wrap="none" lIns="45719" rIns="45719">
+            <a:spAutoFit/>
+          </a:bodyPr>
+          <a:lstStyle>
+            <a:lvl1pPr>
+              <a:defRPr sz="3200">
+                <a:solidFill>
+                  <a:srgbClr val="767171"/>
+                </a:solidFill>
+                <a:latin typeface="华文琥珀" panose="02010800040101010101" charset="-122"/>
+                <a:ea typeface="华文琥珀" panose="02010800040101010101" charset="-122"/>
+                <a:cs typeface="华文琥珀" panose="02010800040101010101" charset="-122"/>
+                <a:sym typeface="华文琥珀" panose="02010800040101010101" charset="-122"/>
+              </a:defRPr>
+            </a:lvl1pPr>
+          </a:lstStyle>
+          <a:p>
+            <a:r>
+              <a:t>课程内容</a:t>
+            </a:r>
+          </a:p>
+        </p:txBody>
+      </p:sp>
+    </p:spTree>
+    <p:extLst>
+      <p:ext uri="{BB962C8B-B14F-4D97-AF65-F5344CB8AC3E}">
+        <p14:creationId xmlns:p14="http://schemas.microsoft.com/office/powerpoint/2010/main" val="4287136569"/>
+      </p:ext>
+    </p:extLst>
+  </p:cSld>
+  <p:clrMapOvr>
+    <a:masterClrMapping/>
+  </p:clrMapOvr>
+</p:sld>
+</file>
+
+<file path=ppt/slides/slide19.xml><?xml version="1.0" encoding="utf-8"?>
+<p:sld xmlns:a="http://schemas.openxmlformats.org/drawingml/2006/main" xmlns:r="http://schemas.openxmlformats.org/officeDocument/2006/relationships" xmlns:p="http://schemas.openxmlformats.org/presentationml/2006/main">
+  <p:cSld>
+    <p:spTree>
+      <p:nvGrpSpPr>
+        <p:cNvPr id="1" name=""/>
+        <p:cNvGrpSpPr/>
+        <p:nvPr/>
+      </p:nvGrpSpPr>
+      <p:grpSpPr>
+        <a:xfrm>
+          <a:off x="0" y="0"/>
+          <a:ext cx="0" cy="0"/>
+          <a:chOff x="0" y="0"/>
+          <a:chExt cx="0" cy="0"/>
+        </a:xfrm>
+      </p:grpSpPr>
+      <p:sp>
+        <p:nvSpPr>
+          <p:cNvPr id="33" name="圆角矩形 2"/>
+          <p:cNvSpPr/>
+          <p:nvPr/>
+        </p:nvSpPr>
+        <p:spPr>
+          <a:xfrm>
+            <a:off x="1168249" y="1210414"/>
+            <a:ext cx="10331023" cy="4760896"/>
+          </a:xfrm>
+          <a:prstGeom prst="roundRect">
+            <a:avLst>
+              <a:gd name="adj" fmla="val 16667"/>
+            </a:avLst>
+          </a:prstGeom>
+          <a:solidFill>
+            <a:srgbClr val="FFFFFE">
+              <a:alpha val="50195"/>
+            </a:srgbClr>
+          </a:solidFill>
+          <a:ln w="12700">
+            <a:solidFill>
+              <a:srgbClr val="42719B"/>
+            </a:solidFill>
+            <a:miter/>
+          </a:ln>
+        </p:spPr>
+        <p:txBody>
+          <a:bodyPr lIns="45719" rIns="45719"/>
+          <a:lstStyle/>
+          <a:p>
+            <a:pPr>
+              <a:defRPr sz="2400">
+                <a:solidFill>
+                  <a:srgbClr val="FFFFFF"/>
+                </a:solidFill>
+                <a:latin typeface="黑体" panose="02010609060101010101" charset="-122"/>
+                <a:ea typeface="黑体" panose="02010609060101010101" charset="-122"/>
+                <a:cs typeface="黑体" panose="02010609060101010101" charset="-122"/>
+                <a:sym typeface="黑体" panose="02010609060101010101" charset="-122"/>
+              </a:defRPr>
+            </a:pPr>
+            <a:endParaRPr/>
+          </a:p>
+        </p:txBody>
+      </p:sp>
+      <p:sp>
+        <p:nvSpPr>
+          <p:cNvPr id="34" name="文本框 4"/>
+          <p:cNvSpPr txBox="1"/>
+          <p:nvPr/>
+        </p:nvSpPr>
+        <p:spPr>
+          <a:xfrm rot="20615195">
+            <a:off x="385350" y="328058"/>
+            <a:ext cx="1729741" cy="662941"/>
+          </a:xfrm>
+          <a:prstGeom prst="rect">
+            <a:avLst/>
+          </a:prstGeom>
+          <a:ln w="12700">
+            <a:miter lim="400000"/>
+          </a:ln>
+        </p:spPr>
+        <p:txBody>
+          <a:bodyPr wrap="none" lIns="45719" rIns="45719">
+            <a:spAutoFit/>
+          </a:bodyPr>
+          <a:lstStyle>
+            <a:lvl1pPr>
+              <a:defRPr sz="3200">
+                <a:solidFill>
+                  <a:srgbClr val="767171"/>
+                </a:solidFill>
+                <a:latin typeface="华文琥珀" panose="02010800040101010101" charset="-122"/>
+                <a:ea typeface="华文琥珀" panose="02010800040101010101" charset="-122"/>
+                <a:cs typeface="华文琥珀" panose="02010800040101010101" charset="-122"/>
+                <a:sym typeface="华文琥珀" panose="02010800040101010101" charset="-122"/>
+              </a:defRPr>
+            </a:lvl1pPr>
+          </a:lstStyle>
+          <a:p>
+            <a:r>
+              <a:t>课程内容</a:t>
+            </a:r>
+          </a:p>
+        </p:txBody>
+      </p:sp>
+    </p:spTree>
+    <p:extLst>
+      <p:ext uri="{BB962C8B-B14F-4D97-AF65-F5344CB8AC3E}">
+        <p14:creationId xmlns:p14="http://schemas.microsoft.com/office/powerpoint/2010/main" val="3112667248"/>
+      </p:ext>
+    </p:extLst>
   </p:cSld>
   <p:clrMapOvr>
     <a:masterClrMapping/>
@@ -3184,6 +3645,180 @@
           </a:p>
         </p:txBody>
       </p:sp>
+    </p:spTree>
+  </p:cSld>
+  <p:clrMapOvr>
+    <a:masterClrMapping/>
+  </p:clrMapOvr>
+</p:sld>
+</file>
+
+<file path=ppt/slides/slide20.xml><?xml version="1.0" encoding="utf-8"?>
+<p:sld xmlns:a="http://schemas.openxmlformats.org/drawingml/2006/main" xmlns:r="http://schemas.openxmlformats.org/officeDocument/2006/relationships" xmlns:p="http://schemas.openxmlformats.org/presentationml/2006/main">
+  <p:cSld>
+    <p:spTree>
+      <p:nvGrpSpPr>
+        <p:cNvPr id="1" name=""/>
+        <p:cNvGrpSpPr/>
+        <p:nvPr/>
+      </p:nvGrpSpPr>
+      <p:grpSpPr>
+        <a:xfrm>
+          <a:off x="0" y="0"/>
+          <a:ext cx="0" cy="0"/>
+          <a:chOff x="0" y="0"/>
+          <a:chExt cx="0" cy="0"/>
+        </a:xfrm>
+      </p:grpSpPr>
+      <p:sp>
+        <p:nvSpPr>
+          <p:cNvPr id="33" name="圆角矩形 2"/>
+          <p:cNvSpPr/>
+          <p:nvPr/>
+        </p:nvSpPr>
+        <p:spPr>
+          <a:xfrm>
+            <a:off x="1168249" y="1210414"/>
+            <a:ext cx="10331023" cy="4760896"/>
+          </a:xfrm>
+          <a:prstGeom prst="roundRect">
+            <a:avLst>
+              <a:gd name="adj" fmla="val 16667"/>
+            </a:avLst>
+          </a:prstGeom>
+          <a:solidFill>
+            <a:srgbClr val="FFFFFE">
+              <a:alpha val="50195"/>
+            </a:srgbClr>
+          </a:solidFill>
+          <a:ln w="12700">
+            <a:solidFill>
+              <a:srgbClr val="42719B"/>
+            </a:solidFill>
+            <a:miter/>
+          </a:ln>
+        </p:spPr>
+        <p:txBody>
+          <a:bodyPr lIns="45719" rIns="45719"/>
+          <a:lstStyle/>
+          <a:p>
+            <a:pPr>
+              <a:defRPr sz="2400">
+                <a:solidFill>
+                  <a:srgbClr val="FFFFFF"/>
+                </a:solidFill>
+                <a:latin typeface="黑体" panose="02010609060101010101" charset="-122"/>
+                <a:ea typeface="黑体" panose="02010609060101010101" charset="-122"/>
+                <a:cs typeface="黑体" panose="02010609060101010101" charset="-122"/>
+                <a:sym typeface="黑体" panose="02010609060101010101" charset="-122"/>
+              </a:defRPr>
+            </a:pPr>
+            <a:endParaRPr/>
+          </a:p>
+        </p:txBody>
+      </p:sp>
+      <p:sp>
+        <p:nvSpPr>
+          <p:cNvPr id="34" name="文本框 4"/>
+          <p:cNvSpPr txBox="1"/>
+          <p:nvPr/>
+        </p:nvSpPr>
+        <p:spPr>
+          <a:xfrm rot="20615195">
+            <a:off x="385350" y="328058"/>
+            <a:ext cx="1729741" cy="662941"/>
+          </a:xfrm>
+          <a:prstGeom prst="rect">
+            <a:avLst/>
+          </a:prstGeom>
+          <a:ln w="12700">
+            <a:miter lim="400000"/>
+          </a:ln>
+        </p:spPr>
+        <p:txBody>
+          <a:bodyPr wrap="none" lIns="45719" rIns="45719">
+            <a:spAutoFit/>
+          </a:bodyPr>
+          <a:lstStyle>
+            <a:lvl1pPr>
+              <a:defRPr sz="3200">
+                <a:solidFill>
+                  <a:srgbClr val="767171"/>
+                </a:solidFill>
+                <a:latin typeface="华文琥珀" panose="02010800040101010101" charset="-122"/>
+                <a:ea typeface="华文琥珀" panose="02010800040101010101" charset="-122"/>
+                <a:cs typeface="华文琥珀" panose="02010800040101010101" charset="-122"/>
+                <a:sym typeface="华文琥珀" panose="02010800040101010101" charset="-122"/>
+              </a:defRPr>
+            </a:lvl1pPr>
+          </a:lstStyle>
+          <a:p>
+            <a:r>
+              <a:t>课程内容</a:t>
+            </a:r>
+          </a:p>
+        </p:txBody>
+      </p:sp>
+    </p:spTree>
+    <p:extLst>
+      <p:ext uri="{BB962C8B-B14F-4D97-AF65-F5344CB8AC3E}">
+        <p14:creationId xmlns:p14="http://schemas.microsoft.com/office/powerpoint/2010/main" val="2048788988"/>
+      </p:ext>
+    </p:extLst>
+  </p:cSld>
+  <p:clrMapOvr>
+    <a:masterClrMapping/>
+  </p:clrMapOvr>
+</p:sld>
+</file>
+
+<file path=ppt/slides/slide21.xml><?xml version="1.0" encoding="utf-8"?>
+<p:sld xmlns:a="http://schemas.openxmlformats.org/drawingml/2006/main" xmlns:r="http://schemas.openxmlformats.org/officeDocument/2006/relationships" xmlns:p="http://schemas.openxmlformats.org/presentationml/2006/main">
+  <p:cSld>
+    <p:spTree>
+      <p:nvGrpSpPr>
+        <p:cNvPr id="1" name=""/>
+        <p:cNvGrpSpPr/>
+        <p:nvPr/>
+      </p:nvGrpSpPr>
+      <p:grpSpPr>
+        <a:xfrm>
+          <a:off x="0" y="0"/>
+          <a:ext cx="0" cy="0"/>
+          <a:chOff x="0" y="0"/>
+          <a:chExt cx="0" cy="0"/>
+        </a:xfrm>
+      </p:grpSpPr>
+      <p:pic>
+        <p:nvPicPr>
+          <p:cNvPr id="2" name="图片 1"/>
+          <p:cNvPicPr>
+            <a:picLocks noChangeAspect="1"/>
+          </p:cNvPicPr>
+          <p:nvPr/>
+        </p:nvPicPr>
+        <p:blipFill>
+          <a:blip r:embed="rId2">
+            <a:extLst>
+              <a:ext uri="{28A0092B-C50C-407E-A947-70E740481C1C}">
+                <a14:useLocalDpi xmlns:a14="http://schemas.microsoft.com/office/drawing/2010/main" val="0"/>
+              </a:ext>
+            </a:extLst>
+          </a:blip>
+          <a:stretch>
+            <a:fillRect/>
+          </a:stretch>
+        </p:blipFill>
+        <p:spPr>
+          <a:xfrm>
+            <a:off x="0" y="0"/>
+            <a:ext cx="12192000" cy="6837841"/>
+          </a:xfrm>
+          <a:prstGeom prst="rect">
+            <a:avLst/>
+          </a:prstGeom>
+        </p:spPr>
+      </p:pic>
     </p:spTree>
   </p:cSld>
   <p:clrMapOvr>

--- a/What_is_AI/人工智能公开课.pptx
+++ b/What_is_AI/人工智能公开课.pptx
@@ -5,7 +5,7 @@
     <p:sldMasterId id="2147483648" r:id="rId1"/>
   </p:sldMasterIdLst>
   <p:notesMasterIdLst>
-    <p:notesMasterId r:id="rId23"/>
+    <p:notesMasterId r:id="rId25"/>
   </p:notesMasterIdLst>
   <p:sldIdLst>
     <p:sldId id="256" r:id="rId2"/>
@@ -26,9 +26,11 @@
     <p:sldId id="285" r:id="rId17"/>
     <p:sldId id="286" r:id="rId18"/>
     <p:sldId id="287" r:id="rId19"/>
-    <p:sldId id="288" r:id="rId20"/>
-    <p:sldId id="289" r:id="rId21"/>
-    <p:sldId id="258" r:id="rId22"/>
+    <p:sldId id="290" r:id="rId20"/>
+    <p:sldId id="291" r:id="rId21"/>
+    <p:sldId id="292" r:id="rId22"/>
+    <p:sldId id="289" r:id="rId23"/>
+    <p:sldId id="258" r:id="rId24"/>
   </p:sldIdLst>
   <p:sldSz cx="12192000" cy="6858000"/>
   <p:notesSz cx="6858000" cy="9144000"/>
@@ -217,7 +219,7 @@
           <a:p>
             <a:fld id="{23BFA71E-5748-E34C-8AB4-B7A054ADA63A}" type="datetimeFigureOut">
               <a:rPr kumimoji="1" lang="zh-CN" altLang="en-US" smtClean="0"/>
-              <a:t>2018/6/15</a:t>
+              <a:t>2018/6/19</a:t>
             </a:fld>
             <a:endParaRPr kumimoji="1" lang="zh-CN" altLang="en-US"/>
           </a:p>
@@ -1383,15 +1385,7 @@
             </a:r>
             <a:r>
               <a:rPr lang="zh-CN" altLang="en-US" dirty="0"/>
-              <a:t>亮相各大脱口秀节目</a:t>
-            </a:r>
-            <a:r>
-              <a:rPr lang="en-US" altLang="zh-CN" dirty="0"/>
-              <a:t> </a:t>
-            </a:r>
-            <a:r>
-              <a:rPr lang="zh-CN" altLang="en-US" dirty="0"/>
-              <a:t>，</a:t>
+              <a:t>亮相各大脱口秀节目，</a:t>
             </a:r>
             <a:endParaRPr lang="en-US" altLang="zh-CN" dirty="0"/>
           </a:p>
@@ -3003,10 +2997,10 @@
       </p:sp>
       <p:sp>
         <p:nvSpPr>
-          <p:cNvPr id="3" name="文本框 2">
+          <p:cNvPr id="2" name="文本框 1">
             <a:extLst>
               <a:ext uri="{FF2B5EF4-FFF2-40B4-BE49-F238E27FC236}">
-                <a16:creationId xmlns:a16="http://schemas.microsoft.com/office/drawing/2014/main" id="{76996C2A-05B3-4EBB-9165-88C1B87F2473}"/>
+                <a16:creationId xmlns:a16="http://schemas.microsoft.com/office/drawing/2014/main" id="{48109EA6-7A38-4EDF-A9BD-9342CFADEEC3}"/>
               </a:ext>
             </a:extLst>
           </p:cNvPr>
@@ -3015,8 +3009,8 @@
         </p:nvSpPr>
         <p:spPr>
           <a:xfrm>
-            <a:off x="3531766" y="1459684"/>
-            <a:ext cx="5150840" cy="461665"/>
+            <a:off x="2088860" y="2138977"/>
+            <a:ext cx="1846575" cy="646331"/>
           </a:xfrm>
           <a:prstGeom prst="rect">
             <a:avLst/>
@@ -3030,12 +3024,43 @@
           <a:lstStyle/>
           <a:p>
             <a:r>
-              <a:rPr lang="zh-CN" altLang="en-US" sz="2400" b="1" dirty="0"/>
-              <a:t>神经元是什么        第一个神经感知机</a:t>
-            </a:r>
-          </a:p>
-        </p:txBody>
-      </p:sp>
+              <a:rPr lang="en-US" altLang="zh-CN" sz="3600" b="1" dirty="0"/>
+              <a:t>VGG16</a:t>
+            </a:r>
+            <a:endParaRPr lang="zh-CN" altLang="en-US" sz="3600" b="1" dirty="0"/>
+          </a:p>
+        </p:txBody>
+      </p:sp>
+      <p:pic>
+        <p:nvPicPr>
+          <p:cNvPr id="5" name="图片 4">
+            <a:extLst>
+              <a:ext uri="{FF2B5EF4-FFF2-40B4-BE49-F238E27FC236}">
+                <a16:creationId xmlns:a16="http://schemas.microsoft.com/office/drawing/2014/main" id="{C3557AB8-3191-4871-B336-52275B624BF6}"/>
+              </a:ext>
+            </a:extLst>
+          </p:cNvPr>
+          <p:cNvPicPr>
+            <a:picLocks noChangeAspect="1"/>
+          </p:cNvPicPr>
+          <p:nvPr/>
+        </p:nvPicPr>
+        <p:blipFill>
+          <a:blip r:embed="rId2"/>
+          <a:stretch>
+            <a:fillRect/>
+          </a:stretch>
+        </p:blipFill>
+        <p:spPr>
+          <a:xfrm>
+            <a:off x="5145291" y="1221874"/>
+            <a:ext cx="4709081" cy="4704145"/>
+          </a:xfrm>
+          <a:prstGeom prst="rect">
+            <a:avLst/>
+          </a:prstGeom>
+        </p:spPr>
+      </p:pic>
     </p:spTree>
     <p:extLst>
       <p:ext uri="{BB962C8B-B14F-4D97-AF65-F5344CB8AC3E}">
@@ -3155,6 +3180,72 @@
           </a:p>
         </p:txBody>
       </p:sp>
+      <p:pic>
+        <p:nvPicPr>
+          <p:cNvPr id="3" name="图片 2">
+            <a:extLst>
+              <a:ext uri="{FF2B5EF4-FFF2-40B4-BE49-F238E27FC236}">
+                <a16:creationId xmlns:a16="http://schemas.microsoft.com/office/drawing/2014/main" id="{22321132-BAE3-4D0C-BE3E-880F0B6A610A}"/>
+              </a:ext>
+            </a:extLst>
+          </p:cNvPr>
+          <p:cNvPicPr>
+            <a:picLocks noChangeAspect="1"/>
+          </p:cNvPicPr>
+          <p:nvPr/>
+        </p:nvPicPr>
+        <p:blipFill>
+          <a:blip r:embed="rId2"/>
+          <a:stretch>
+            <a:fillRect/>
+          </a:stretch>
+        </p:blipFill>
+        <p:spPr>
+          <a:xfrm>
+            <a:off x="4797193" y="2276412"/>
+            <a:ext cx="4476750" cy="2628900"/>
+          </a:xfrm>
+          <a:prstGeom prst="rect">
+            <a:avLst/>
+          </a:prstGeom>
+        </p:spPr>
+      </p:pic>
+      <p:sp>
+        <p:nvSpPr>
+          <p:cNvPr id="6" name="文本框 5">
+            <a:extLst>
+              <a:ext uri="{FF2B5EF4-FFF2-40B4-BE49-F238E27FC236}">
+                <a16:creationId xmlns:a16="http://schemas.microsoft.com/office/drawing/2014/main" id="{263D8321-0EC8-457D-BED0-50E6C4294AB1}"/>
+              </a:ext>
+            </a:extLst>
+          </p:cNvPr>
+          <p:cNvSpPr txBox="1"/>
+          <p:nvPr/>
+        </p:nvSpPr>
+        <p:spPr>
+          <a:xfrm>
+            <a:off x="2088860" y="2138977"/>
+            <a:ext cx="1846575" cy="646331"/>
+          </a:xfrm>
+          <a:prstGeom prst="rect">
+            <a:avLst/>
+          </a:prstGeom>
+          <a:noFill/>
+        </p:spPr>
+        <p:txBody>
+          <a:bodyPr wrap="square" rtlCol="0">
+            <a:spAutoFit/>
+          </a:bodyPr>
+          <a:lstStyle/>
+          <a:p>
+            <a:r>
+              <a:rPr lang="en-US" altLang="zh-CN" sz="3600" b="1" dirty="0"/>
+              <a:t>VGG16</a:t>
+            </a:r>
+            <a:endParaRPr lang="zh-CN" altLang="en-US" sz="3600" b="1" dirty="0"/>
+          </a:p>
+        </p:txBody>
+      </p:sp>
     </p:spTree>
     <p:extLst>
       <p:ext uri="{BB962C8B-B14F-4D97-AF65-F5344CB8AC3E}">
@@ -3274,6 +3365,71 @@
           </a:p>
         </p:txBody>
       </p:sp>
+      <p:pic>
+        <p:nvPicPr>
+          <p:cNvPr id="3" name="图片 2">
+            <a:extLst>
+              <a:ext uri="{FF2B5EF4-FFF2-40B4-BE49-F238E27FC236}">
+                <a16:creationId xmlns:a16="http://schemas.microsoft.com/office/drawing/2014/main" id="{03512A7F-5CE1-4060-8495-6AD6E70CDE1C}"/>
+              </a:ext>
+            </a:extLst>
+          </p:cNvPr>
+          <p:cNvPicPr>
+            <a:picLocks noChangeAspect="1"/>
+          </p:cNvPicPr>
+          <p:nvPr/>
+        </p:nvPicPr>
+        <p:blipFill>
+          <a:blip r:embed="rId2"/>
+          <a:stretch>
+            <a:fillRect/>
+          </a:stretch>
+        </p:blipFill>
+        <p:spPr>
+          <a:xfrm>
+            <a:off x="4488547" y="1600200"/>
+            <a:ext cx="5010150" cy="3657600"/>
+          </a:xfrm>
+          <a:prstGeom prst="rect">
+            <a:avLst/>
+          </a:prstGeom>
+        </p:spPr>
+      </p:pic>
+      <p:sp>
+        <p:nvSpPr>
+          <p:cNvPr id="6" name="文本框 5">
+            <a:extLst>
+              <a:ext uri="{FF2B5EF4-FFF2-40B4-BE49-F238E27FC236}">
+                <a16:creationId xmlns:a16="http://schemas.microsoft.com/office/drawing/2014/main" id="{20BD7F6D-96A0-41AB-8B09-ABA4874CBCEA}"/>
+              </a:ext>
+            </a:extLst>
+          </p:cNvPr>
+          <p:cNvSpPr txBox="1"/>
+          <p:nvPr/>
+        </p:nvSpPr>
+        <p:spPr>
+          <a:xfrm>
+            <a:off x="2088860" y="2138977"/>
+            <a:ext cx="1846575" cy="646331"/>
+          </a:xfrm>
+          <a:prstGeom prst="rect">
+            <a:avLst/>
+          </a:prstGeom>
+          <a:noFill/>
+        </p:spPr>
+        <p:txBody>
+          <a:bodyPr wrap="square" rtlCol="0">
+            <a:spAutoFit/>
+          </a:bodyPr>
+          <a:lstStyle/>
+          <a:p>
+            <a:r>
+              <a:rPr lang="zh-CN" altLang="en-US" sz="3600" b="1" dirty="0"/>
+              <a:t>卷积</a:t>
+            </a:r>
+          </a:p>
+        </p:txBody>
+      </p:sp>
     </p:spTree>
     <p:extLst>
       <p:ext uri="{BB962C8B-B14F-4D97-AF65-F5344CB8AC3E}">
@@ -3393,10 +3549,79 @@
           </a:p>
         </p:txBody>
       </p:sp>
+      <p:sp>
+        <p:nvSpPr>
+          <p:cNvPr id="6" name="文本框 5">
+            <a:extLst>
+              <a:ext uri="{FF2B5EF4-FFF2-40B4-BE49-F238E27FC236}">
+                <a16:creationId xmlns:a16="http://schemas.microsoft.com/office/drawing/2014/main" id="{20BD7F6D-96A0-41AB-8B09-ABA4874CBCEA}"/>
+              </a:ext>
+            </a:extLst>
+          </p:cNvPr>
+          <p:cNvSpPr txBox="1"/>
+          <p:nvPr/>
+        </p:nvSpPr>
+        <p:spPr>
+          <a:xfrm>
+            <a:off x="2088860" y="2138977"/>
+            <a:ext cx="1846575" cy="646331"/>
+          </a:xfrm>
+          <a:prstGeom prst="rect">
+            <a:avLst/>
+          </a:prstGeom>
+          <a:noFill/>
+        </p:spPr>
+        <p:txBody>
+          <a:bodyPr wrap="square" rtlCol="0">
+            <a:spAutoFit/>
+          </a:bodyPr>
+          <a:lstStyle/>
+          <a:p>
+            <a:r>
+              <a:rPr lang="en-US" altLang="zh-CN" sz="3600" b="1" dirty="0" err="1"/>
+              <a:t>RuLU</a:t>
+            </a:r>
+            <a:r>
+              <a:rPr lang="zh-CN" altLang="en-US" sz="3600" b="1" dirty="0"/>
+              <a:t> </a:t>
+            </a:r>
+          </a:p>
+        </p:txBody>
+      </p:sp>
+      <p:pic>
+        <p:nvPicPr>
+          <p:cNvPr id="7" name="图片 6">
+            <a:extLst>
+              <a:ext uri="{FF2B5EF4-FFF2-40B4-BE49-F238E27FC236}">
+                <a16:creationId xmlns:a16="http://schemas.microsoft.com/office/drawing/2014/main" id="{C47BF92C-25D6-456F-99E8-43B3A2B55D25}"/>
+              </a:ext>
+            </a:extLst>
+          </p:cNvPr>
+          <p:cNvPicPr>
+            <a:picLocks noChangeAspect="1"/>
+          </p:cNvPicPr>
+          <p:nvPr/>
+        </p:nvPicPr>
+        <p:blipFill>
+          <a:blip r:embed="rId2"/>
+          <a:stretch>
+            <a:fillRect/>
+          </a:stretch>
+        </p:blipFill>
+        <p:spPr>
+          <a:xfrm>
+            <a:off x="3465745" y="2376424"/>
+            <a:ext cx="7038975" cy="2428875"/>
+          </a:xfrm>
+          <a:prstGeom prst="rect">
+            <a:avLst/>
+          </a:prstGeom>
+        </p:spPr>
+      </p:pic>
     </p:spTree>
     <p:extLst>
       <p:ext uri="{BB962C8B-B14F-4D97-AF65-F5344CB8AC3E}">
-        <p14:creationId xmlns:p14="http://schemas.microsoft.com/office/powerpoint/2010/main" val="3112667248"/>
+        <p14:creationId xmlns:p14="http://schemas.microsoft.com/office/powerpoint/2010/main" val="3012050103"/>
       </p:ext>
     </p:extLst>
   </p:cSld>
@@ -3759,6 +3984,404 @@
           </a:p>
         </p:txBody>
       </p:sp>
+      <p:sp>
+        <p:nvSpPr>
+          <p:cNvPr id="6" name="文本框 5">
+            <a:extLst>
+              <a:ext uri="{FF2B5EF4-FFF2-40B4-BE49-F238E27FC236}">
+                <a16:creationId xmlns:a16="http://schemas.microsoft.com/office/drawing/2014/main" id="{20BD7F6D-96A0-41AB-8B09-ABA4874CBCEA}"/>
+              </a:ext>
+            </a:extLst>
+          </p:cNvPr>
+          <p:cNvSpPr txBox="1"/>
+          <p:nvPr/>
+        </p:nvSpPr>
+        <p:spPr>
+          <a:xfrm>
+            <a:off x="2088860" y="2138977"/>
+            <a:ext cx="1846575" cy="646331"/>
+          </a:xfrm>
+          <a:prstGeom prst="rect">
+            <a:avLst/>
+          </a:prstGeom>
+          <a:noFill/>
+        </p:spPr>
+        <p:txBody>
+          <a:bodyPr wrap="square" rtlCol="0">
+            <a:spAutoFit/>
+          </a:bodyPr>
+          <a:lstStyle/>
+          <a:p>
+            <a:r>
+              <a:rPr lang="zh-CN" altLang="en-US" sz="3600" b="1" dirty="0"/>
+              <a:t>池化 </a:t>
+            </a:r>
+          </a:p>
+        </p:txBody>
+      </p:sp>
+      <p:pic>
+        <p:nvPicPr>
+          <p:cNvPr id="4" name="图片 3">
+            <a:extLst>
+              <a:ext uri="{FF2B5EF4-FFF2-40B4-BE49-F238E27FC236}">
+                <a16:creationId xmlns:a16="http://schemas.microsoft.com/office/drawing/2014/main" id="{0D5CC4DA-08DB-4D9E-B367-6BA29AD6AA93}"/>
+              </a:ext>
+            </a:extLst>
+          </p:cNvPr>
+          <p:cNvPicPr>
+            <a:picLocks noChangeAspect="1"/>
+          </p:cNvPicPr>
+          <p:nvPr/>
+        </p:nvPicPr>
+        <p:blipFill>
+          <a:blip r:embed="rId2"/>
+          <a:stretch>
+            <a:fillRect/>
+          </a:stretch>
+        </p:blipFill>
+        <p:spPr>
+          <a:xfrm>
+            <a:off x="3342931" y="1590612"/>
+            <a:ext cx="7772482" cy="4000500"/>
+          </a:xfrm>
+          <a:prstGeom prst="rect">
+            <a:avLst/>
+          </a:prstGeom>
+        </p:spPr>
+      </p:pic>
+    </p:spTree>
+    <p:extLst>
+      <p:ext uri="{BB962C8B-B14F-4D97-AF65-F5344CB8AC3E}">
+        <p14:creationId xmlns:p14="http://schemas.microsoft.com/office/powerpoint/2010/main" val="1498338343"/>
+      </p:ext>
+    </p:extLst>
+  </p:cSld>
+  <p:clrMapOvr>
+    <a:masterClrMapping/>
+  </p:clrMapOvr>
+</p:sld>
+</file>
+
+<file path=ppt/slides/slide21.xml><?xml version="1.0" encoding="utf-8"?>
+<p:sld xmlns:a="http://schemas.openxmlformats.org/drawingml/2006/main" xmlns:r="http://schemas.openxmlformats.org/officeDocument/2006/relationships" xmlns:p="http://schemas.openxmlformats.org/presentationml/2006/main">
+  <p:cSld>
+    <p:spTree>
+      <p:nvGrpSpPr>
+        <p:cNvPr id="1" name=""/>
+        <p:cNvGrpSpPr/>
+        <p:nvPr/>
+      </p:nvGrpSpPr>
+      <p:grpSpPr>
+        <a:xfrm>
+          <a:off x="0" y="0"/>
+          <a:ext cx="0" cy="0"/>
+          <a:chOff x="0" y="0"/>
+          <a:chExt cx="0" cy="0"/>
+        </a:xfrm>
+      </p:grpSpPr>
+      <p:sp>
+        <p:nvSpPr>
+          <p:cNvPr id="33" name="圆角矩形 2"/>
+          <p:cNvSpPr/>
+          <p:nvPr/>
+        </p:nvSpPr>
+        <p:spPr>
+          <a:xfrm>
+            <a:off x="1168249" y="1210414"/>
+            <a:ext cx="10331023" cy="4760896"/>
+          </a:xfrm>
+          <a:prstGeom prst="roundRect">
+            <a:avLst>
+              <a:gd name="adj" fmla="val 16667"/>
+            </a:avLst>
+          </a:prstGeom>
+          <a:solidFill>
+            <a:srgbClr val="FFFFFE">
+              <a:alpha val="50195"/>
+            </a:srgbClr>
+          </a:solidFill>
+          <a:ln w="12700">
+            <a:solidFill>
+              <a:srgbClr val="42719B"/>
+            </a:solidFill>
+            <a:miter/>
+          </a:ln>
+        </p:spPr>
+        <p:txBody>
+          <a:bodyPr lIns="45719" rIns="45719"/>
+          <a:lstStyle/>
+          <a:p>
+            <a:pPr>
+              <a:defRPr sz="2400">
+                <a:solidFill>
+                  <a:srgbClr val="FFFFFF"/>
+                </a:solidFill>
+                <a:latin typeface="黑体" panose="02010609060101010101" charset="-122"/>
+                <a:ea typeface="黑体" panose="02010609060101010101" charset="-122"/>
+                <a:cs typeface="黑体" panose="02010609060101010101" charset="-122"/>
+                <a:sym typeface="黑体" panose="02010609060101010101" charset="-122"/>
+              </a:defRPr>
+            </a:pPr>
+            <a:endParaRPr/>
+          </a:p>
+        </p:txBody>
+      </p:sp>
+      <p:sp>
+        <p:nvSpPr>
+          <p:cNvPr id="34" name="文本框 4"/>
+          <p:cNvSpPr txBox="1"/>
+          <p:nvPr/>
+        </p:nvSpPr>
+        <p:spPr>
+          <a:xfrm rot="20615195">
+            <a:off x="385350" y="328058"/>
+            <a:ext cx="1729741" cy="662941"/>
+          </a:xfrm>
+          <a:prstGeom prst="rect">
+            <a:avLst/>
+          </a:prstGeom>
+          <a:ln w="12700">
+            <a:miter lim="400000"/>
+          </a:ln>
+        </p:spPr>
+        <p:txBody>
+          <a:bodyPr wrap="none" lIns="45719" rIns="45719">
+            <a:spAutoFit/>
+          </a:bodyPr>
+          <a:lstStyle>
+            <a:lvl1pPr>
+              <a:defRPr sz="3200">
+                <a:solidFill>
+                  <a:srgbClr val="767171"/>
+                </a:solidFill>
+                <a:latin typeface="华文琥珀" panose="02010800040101010101" charset="-122"/>
+                <a:ea typeface="华文琥珀" panose="02010800040101010101" charset="-122"/>
+                <a:cs typeface="华文琥珀" panose="02010800040101010101" charset="-122"/>
+                <a:sym typeface="华文琥珀" panose="02010800040101010101" charset="-122"/>
+              </a:defRPr>
+            </a:lvl1pPr>
+          </a:lstStyle>
+          <a:p>
+            <a:r>
+              <a:t>课程内容</a:t>
+            </a:r>
+          </a:p>
+        </p:txBody>
+      </p:sp>
+      <p:sp>
+        <p:nvSpPr>
+          <p:cNvPr id="6" name="文本框 5">
+            <a:extLst>
+              <a:ext uri="{FF2B5EF4-FFF2-40B4-BE49-F238E27FC236}">
+                <a16:creationId xmlns:a16="http://schemas.microsoft.com/office/drawing/2014/main" id="{20BD7F6D-96A0-41AB-8B09-ABA4874CBCEA}"/>
+              </a:ext>
+            </a:extLst>
+          </p:cNvPr>
+          <p:cNvSpPr txBox="1"/>
+          <p:nvPr/>
+        </p:nvSpPr>
+        <p:spPr>
+          <a:xfrm>
+            <a:off x="2088860" y="2138977"/>
+            <a:ext cx="1846575" cy="646331"/>
+          </a:xfrm>
+          <a:prstGeom prst="rect">
+            <a:avLst/>
+          </a:prstGeom>
+          <a:noFill/>
+        </p:spPr>
+        <p:txBody>
+          <a:bodyPr wrap="square" rtlCol="0">
+            <a:spAutoFit/>
+          </a:bodyPr>
+          <a:lstStyle/>
+          <a:p>
+            <a:r>
+              <a:rPr lang="zh-CN" altLang="en-US" sz="3600" b="1" dirty="0"/>
+              <a:t>全连接</a:t>
+            </a:r>
+          </a:p>
+        </p:txBody>
+      </p:sp>
+      <p:pic>
+        <p:nvPicPr>
+          <p:cNvPr id="3" name="图片 2">
+            <a:extLst>
+              <a:ext uri="{FF2B5EF4-FFF2-40B4-BE49-F238E27FC236}">
+                <a16:creationId xmlns:a16="http://schemas.microsoft.com/office/drawing/2014/main" id="{25E00735-8EC1-4AE9-BDF6-9E296E720C8F}"/>
+              </a:ext>
+            </a:extLst>
+          </p:cNvPr>
+          <p:cNvPicPr>
+            <a:picLocks noChangeAspect="1"/>
+          </p:cNvPicPr>
+          <p:nvPr/>
+        </p:nvPicPr>
+        <p:blipFill>
+          <a:blip r:embed="rId2"/>
+          <a:stretch>
+            <a:fillRect/>
+          </a:stretch>
+        </p:blipFill>
+        <p:spPr>
+          <a:xfrm>
+            <a:off x="3846271" y="2350008"/>
+            <a:ext cx="2414634" cy="2481707"/>
+          </a:xfrm>
+          <a:prstGeom prst="rect">
+            <a:avLst/>
+          </a:prstGeom>
+        </p:spPr>
+      </p:pic>
+      <p:pic>
+        <p:nvPicPr>
+          <p:cNvPr id="7" name="图片 6">
+            <a:extLst>
+              <a:ext uri="{FF2B5EF4-FFF2-40B4-BE49-F238E27FC236}">
+                <a16:creationId xmlns:a16="http://schemas.microsoft.com/office/drawing/2014/main" id="{0B6F7199-7CDB-420D-8FEA-7E30EDD694DB}"/>
+              </a:ext>
+            </a:extLst>
+          </p:cNvPr>
+          <p:cNvPicPr>
+            <a:picLocks noChangeAspect="1"/>
+          </p:cNvPicPr>
+          <p:nvPr/>
+        </p:nvPicPr>
+        <p:blipFill>
+          <a:blip r:embed="rId3"/>
+          <a:stretch>
+            <a:fillRect/>
+          </a:stretch>
+        </p:blipFill>
+        <p:spPr>
+          <a:xfrm>
+            <a:off x="6707455" y="1590415"/>
+            <a:ext cx="3751757" cy="3677169"/>
+          </a:xfrm>
+          <a:prstGeom prst="rect">
+            <a:avLst/>
+          </a:prstGeom>
+        </p:spPr>
+      </p:pic>
+    </p:spTree>
+    <p:extLst>
+      <p:ext uri="{BB962C8B-B14F-4D97-AF65-F5344CB8AC3E}">
+        <p14:creationId xmlns:p14="http://schemas.microsoft.com/office/powerpoint/2010/main" val="64552150"/>
+      </p:ext>
+    </p:extLst>
+  </p:cSld>
+  <p:clrMapOvr>
+    <a:masterClrMapping/>
+  </p:clrMapOvr>
+</p:sld>
+</file>
+
+<file path=ppt/slides/slide22.xml><?xml version="1.0" encoding="utf-8"?>
+<p:sld xmlns:a="http://schemas.openxmlformats.org/drawingml/2006/main" xmlns:r="http://schemas.openxmlformats.org/officeDocument/2006/relationships" xmlns:p="http://schemas.openxmlformats.org/presentationml/2006/main">
+  <p:cSld>
+    <p:spTree>
+      <p:nvGrpSpPr>
+        <p:cNvPr id="1" name=""/>
+        <p:cNvGrpSpPr/>
+        <p:nvPr/>
+      </p:nvGrpSpPr>
+      <p:grpSpPr>
+        <a:xfrm>
+          <a:off x="0" y="0"/>
+          <a:ext cx="0" cy="0"/>
+          <a:chOff x="0" y="0"/>
+          <a:chExt cx="0" cy="0"/>
+        </a:xfrm>
+      </p:grpSpPr>
+      <p:sp>
+        <p:nvSpPr>
+          <p:cNvPr id="33" name="圆角矩形 2"/>
+          <p:cNvSpPr/>
+          <p:nvPr/>
+        </p:nvSpPr>
+        <p:spPr>
+          <a:xfrm>
+            <a:off x="1168249" y="1210414"/>
+            <a:ext cx="10331023" cy="4760896"/>
+          </a:xfrm>
+          <a:prstGeom prst="roundRect">
+            <a:avLst>
+              <a:gd name="adj" fmla="val 16667"/>
+            </a:avLst>
+          </a:prstGeom>
+          <a:solidFill>
+            <a:srgbClr val="FFFFFE">
+              <a:alpha val="50195"/>
+            </a:srgbClr>
+          </a:solidFill>
+          <a:ln w="12700">
+            <a:solidFill>
+              <a:srgbClr val="42719B"/>
+            </a:solidFill>
+            <a:miter/>
+          </a:ln>
+        </p:spPr>
+        <p:txBody>
+          <a:bodyPr lIns="45719" rIns="45719"/>
+          <a:lstStyle/>
+          <a:p>
+            <a:pPr>
+              <a:defRPr sz="2400">
+                <a:solidFill>
+                  <a:srgbClr val="FFFFFF"/>
+                </a:solidFill>
+                <a:latin typeface="黑体" panose="02010609060101010101" charset="-122"/>
+                <a:ea typeface="黑体" panose="02010609060101010101" charset="-122"/>
+                <a:cs typeface="黑体" panose="02010609060101010101" charset="-122"/>
+                <a:sym typeface="黑体" panose="02010609060101010101" charset="-122"/>
+              </a:defRPr>
+            </a:pPr>
+            <a:endParaRPr/>
+          </a:p>
+        </p:txBody>
+      </p:sp>
+      <p:sp>
+        <p:nvSpPr>
+          <p:cNvPr id="34" name="文本框 4"/>
+          <p:cNvSpPr txBox="1"/>
+          <p:nvPr/>
+        </p:nvSpPr>
+        <p:spPr>
+          <a:xfrm rot="20615195">
+            <a:off x="385350" y="328058"/>
+            <a:ext cx="1729741" cy="662941"/>
+          </a:xfrm>
+          <a:prstGeom prst="rect">
+            <a:avLst/>
+          </a:prstGeom>
+          <a:ln w="12700">
+            <a:miter lim="400000"/>
+          </a:ln>
+        </p:spPr>
+        <p:txBody>
+          <a:bodyPr wrap="none" lIns="45719" rIns="45719">
+            <a:spAutoFit/>
+          </a:bodyPr>
+          <a:lstStyle>
+            <a:lvl1pPr>
+              <a:defRPr sz="3200">
+                <a:solidFill>
+                  <a:srgbClr val="767171"/>
+                </a:solidFill>
+                <a:latin typeface="华文琥珀" panose="02010800040101010101" charset="-122"/>
+                <a:ea typeface="华文琥珀" panose="02010800040101010101" charset="-122"/>
+                <a:cs typeface="华文琥珀" panose="02010800040101010101" charset="-122"/>
+                <a:sym typeface="华文琥珀" panose="02010800040101010101" charset="-122"/>
+              </a:defRPr>
+            </a:lvl1pPr>
+          </a:lstStyle>
+          <a:p>
+            <a:r>
+              <a:t>课程内容</a:t>
+            </a:r>
+          </a:p>
+        </p:txBody>
+      </p:sp>
     </p:spTree>
     <p:extLst>
       <p:ext uri="{BB962C8B-B14F-4D97-AF65-F5344CB8AC3E}">
@@ -3772,7 +4395,7 @@
 </p:sld>
 </file>
 
-<file path=ppt/slides/slide21.xml><?xml version="1.0" encoding="utf-8"?>
+<file path=ppt/slides/slide23.xml><?xml version="1.0" encoding="utf-8"?>
 <p:sld xmlns:a="http://schemas.openxmlformats.org/drawingml/2006/main" xmlns:r="http://schemas.openxmlformats.org/officeDocument/2006/relationships" xmlns:p="http://schemas.openxmlformats.org/presentationml/2006/main">
   <p:cSld>
     <p:spTree>

--- a/What_is_AI/人工智能公开课.pptx
+++ b/What_is_AI/人工智能公开课.pptx
@@ -5,7 +5,7 @@
     <p:sldMasterId id="2147483648" r:id="rId1"/>
   </p:sldMasterIdLst>
   <p:notesMasterIdLst>
-    <p:notesMasterId r:id="rId25"/>
+    <p:notesMasterId r:id="rId27"/>
   </p:notesMasterIdLst>
   <p:sldIdLst>
     <p:sldId id="256" r:id="rId2"/>
@@ -27,10 +27,12 @@
     <p:sldId id="286" r:id="rId18"/>
     <p:sldId id="287" r:id="rId19"/>
     <p:sldId id="290" r:id="rId20"/>
-    <p:sldId id="291" r:id="rId21"/>
-    <p:sldId id="292" r:id="rId22"/>
-    <p:sldId id="289" r:id="rId23"/>
-    <p:sldId id="258" r:id="rId24"/>
+    <p:sldId id="294" r:id="rId21"/>
+    <p:sldId id="291" r:id="rId22"/>
+    <p:sldId id="292" r:id="rId23"/>
+    <p:sldId id="293" r:id="rId24"/>
+    <p:sldId id="289" r:id="rId25"/>
+    <p:sldId id="258" r:id="rId26"/>
   </p:sldIdLst>
   <p:sldSz cx="12192000" cy="6858000"/>
   <p:notesSz cx="6858000" cy="9144000"/>
@@ -219,7 +221,7 @@
           <a:p>
             <a:fld id="{23BFA71E-5748-E34C-8AB4-B7A054ADA63A}" type="datetimeFigureOut">
               <a:rPr kumimoji="1" lang="zh-CN" altLang="en-US" smtClean="0"/>
-              <a:t>2018/6/19</a:t>
+              <a:t>2018/6/22</a:t>
             </a:fld>
             <a:endParaRPr kumimoji="1" lang="zh-CN" altLang="en-US"/>
           </a:p>
@@ -1237,7 +1239,7 @@
         <p:spPr>
           <a:xfrm>
             <a:off x="1828800" y="1605703"/>
-            <a:ext cx="9170633" cy="4247317"/>
+            <a:ext cx="9170633" cy="2031325"/>
           </a:xfrm>
           <a:prstGeom prst="rect">
             <a:avLst/>
@@ -1250,9 +1252,12 @@
           </a:bodyPr>
           <a:lstStyle/>
           <a:p>
+            <a:endParaRPr lang="en-US" altLang="zh-CN" dirty="0"/>
+          </a:p>
+          <a:p>
             <a:r>
               <a:rPr lang="en-US" altLang="zh-CN" dirty="0"/>
-              <a:t>2016</a:t>
+              <a:t>2017</a:t>
             </a:r>
             <a:r>
               <a:rPr lang="zh-CN" altLang="en-US" dirty="0"/>
@@ -1260,56 +1265,23 @@
             </a:r>
             <a:r>
               <a:rPr lang="en-US" altLang="zh-CN" dirty="0"/>
-              <a:t>AlphaGo</a:t>
+              <a:t>Google</a:t>
             </a:r>
             <a:r>
               <a:rPr lang="zh-CN" altLang="en-US" dirty="0"/>
-              <a:t>战胜围棋世界冠军李世石</a:t>
-            </a:r>
-          </a:p>
-          <a:p>
+              <a:t>的人工智能程序在围棋界，</a:t>
+            </a:r>
             <a:endParaRPr lang="en-US" altLang="zh-CN" dirty="0"/>
           </a:p>
           <a:p>
             <a:r>
               <a:rPr lang="en-US" altLang="zh-CN" dirty="0"/>
-              <a:t>2017</a:t>
+              <a:t>	</a:t>
             </a:r>
             <a:r>
               <a:rPr lang="zh-CN" altLang="en-US" dirty="0"/>
-              <a:t>年：</a:t>
-            </a:r>
-            <a:endParaRPr lang="en-US" altLang="zh-CN" dirty="0"/>
-          </a:p>
-          <a:p>
-            <a:endParaRPr lang="en-US" altLang="zh-CN" dirty="0"/>
-          </a:p>
-          <a:p>
-            <a:r>
-              <a:rPr lang="en-US" altLang="zh-CN" dirty="0"/>
-              <a:t>5</a:t>
-            </a:r>
-            <a:r>
-              <a:rPr lang="zh-CN" altLang="en-US" dirty="0"/>
-              <a:t>月 柯洁</a:t>
-            </a:r>
-            <a:r>
-              <a:rPr lang="en-US" altLang="zh-CN" dirty="0"/>
-              <a:t>0:3</a:t>
-            </a:r>
-            <a:r>
-              <a:rPr lang="zh-CN" altLang="en-US" dirty="0"/>
-              <a:t>不敌</a:t>
-            </a:r>
-            <a:r>
-              <a:rPr lang="en-US" altLang="zh-CN" dirty="0"/>
-              <a:t>AlphaGo </a:t>
-            </a:r>
-            <a:r>
-              <a:rPr lang="zh-CN" altLang="en-US" dirty="0"/>
-              <a:t>，</a:t>
-            </a:r>
-            <a:endParaRPr lang="en-US" altLang="zh-CN" dirty="0"/>
+              <a:t>大杀四方。</a:t>
+            </a:r>
           </a:p>
           <a:p>
             <a:endParaRPr lang="en-US" altLang="zh-CN" dirty="0"/>
@@ -1321,62 +1293,6 @@
             </a:r>
             <a:r>
               <a:rPr lang="zh-CN" altLang="en-US" dirty="0"/>
-              <a:t>月 </a:t>
-            </a:r>
-            <a:r>
-              <a:rPr lang="en-US" altLang="zh-CN" dirty="0" err="1"/>
-              <a:t>AlphaGO</a:t>
-            </a:r>
-            <a:r>
-              <a:rPr lang="en-US" altLang="zh-CN" dirty="0"/>
-              <a:t> Zero </a:t>
-            </a:r>
-            <a:r>
-              <a:rPr lang="zh-CN" altLang="en-US" dirty="0"/>
-              <a:t>与 </a:t>
-            </a:r>
-            <a:r>
-              <a:rPr lang="en-US" altLang="zh-CN" dirty="0"/>
-              <a:t>AlphaGo</a:t>
-            </a:r>
-            <a:r>
-              <a:rPr lang="zh-CN" altLang="en-US" dirty="0"/>
-              <a:t>进行对战，</a:t>
-            </a:r>
-            <a:endParaRPr lang="en-US" altLang="zh-CN" dirty="0"/>
-          </a:p>
-          <a:p>
-            <a:endParaRPr lang="en-US" altLang="zh-CN" dirty="0"/>
-          </a:p>
-          <a:p>
-            <a:r>
-              <a:rPr lang="en-US" altLang="zh-CN" dirty="0"/>
-              <a:t>6</a:t>
-            </a:r>
-            <a:r>
-              <a:rPr lang="zh-CN" altLang="en-US" dirty="0"/>
-              <a:t>月，各大公司都宣布进入</a:t>
-            </a:r>
-            <a:r>
-              <a:rPr lang="en-US" altLang="zh-CN" dirty="0"/>
-              <a:t>AI</a:t>
-            </a:r>
-            <a:r>
-              <a:rPr lang="zh-CN" altLang="en-US" dirty="0"/>
-              <a:t>，</a:t>
-            </a:r>
-            <a:endParaRPr lang="en-US" altLang="zh-CN" dirty="0"/>
-          </a:p>
-          <a:p>
-            <a:endParaRPr lang="zh-CN" altLang="en-US" dirty="0"/>
-          </a:p>
-          <a:p>
-            <a:r>
-              <a:rPr lang="en-US" altLang="zh-CN" dirty="0"/>
-              <a:t>10</a:t>
-            </a:r>
-            <a:r>
-              <a:rPr lang="zh-CN" altLang="en-US" dirty="0"/>
               <a:t>月，美女机器人</a:t>
             </a:r>
             <a:r>
@@ -1409,13 +1325,6 @@
               <a:rPr lang="zh-CN" altLang="en-US" dirty="0"/>
               <a:t>日，科技部召开科技启动大会</a:t>
             </a:r>
-            <a:endParaRPr lang="en-US" altLang="zh-CN" dirty="0"/>
-          </a:p>
-          <a:p>
-            <a:endParaRPr lang="en-US" altLang="zh-CN" dirty="0"/>
-          </a:p>
-          <a:p>
-            <a:endParaRPr lang="zh-CN" altLang="en-US" dirty="0"/>
           </a:p>
         </p:txBody>
       </p:sp>
@@ -3999,7 +3908,7 @@
         <p:spPr>
           <a:xfrm>
             <a:off x="2088860" y="2138977"/>
-            <a:ext cx="1846575" cy="646331"/>
+            <a:ext cx="2046912" cy="646331"/>
           </a:xfrm>
           <a:prstGeom prst="rect">
             <a:avLst/>
@@ -4013,18 +3922,22 @@
           <a:lstStyle/>
           <a:p>
             <a:r>
+              <a:rPr lang="en-US" altLang="zh-CN" sz="3600" b="1" dirty="0"/>
+              <a:t>Sigmoid</a:t>
+            </a:r>
+            <a:r>
               <a:rPr lang="zh-CN" altLang="en-US" sz="3600" b="1" dirty="0"/>
-              <a:t>池化 </a:t>
+              <a:t> </a:t>
             </a:r>
           </a:p>
         </p:txBody>
       </p:sp>
       <p:pic>
         <p:nvPicPr>
-          <p:cNvPr id="4" name="图片 3">
+          <p:cNvPr id="3" name="图片 2">
             <a:extLst>
               <a:ext uri="{FF2B5EF4-FFF2-40B4-BE49-F238E27FC236}">
-                <a16:creationId xmlns:a16="http://schemas.microsoft.com/office/drawing/2014/main" id="{0D5CC4DA-08DB-4D9E-B367-6BA29AD6AA93}"/>
+                <a16:creationId xmlns:a16="http://schemas.microsoft.com/office/drawing/2014/main" id="{B8F47005-C76E-4805-9F64-70EC143EE3A1}"/>
               </a:ext>
             </a:extLst>
           </p:cNvPr>
@@ -4041,8 +3954,8 @@
         </p:blipFill>
         <p:spPr>
           <a:xfrm>
-            <a:off x="3342931" y="1590612"/>
-            <a:ext cx="7772482" cy="4000500"/>
+            <a:off x="4117248" y="2029086"/>
+            <a:ext cx="6999568" cy="2799828"/>
           </a:xfrm>
           <a:prstGeom prst="rect">
             <a:avLst/>
@@ -4052,7 +3965,7 @@
     </p:spTree>
     <p:extLst>
       <p:ext uri="{BB962C8B-B14F-4D97-AF65-F5344CB8AC3E}">
-        <p14:creationId xmlns:p14="http://schemas.microsoft.com/office/powerpoint/2010/main" val="1498338343"/>
+        <p14:creationId xmlns:p14="http://schemas.microsoft.com/office/powerpoint/2010/main" val="3411254269"/>
       </p:ext>
     </p:extLst>
   </p:cSld>
@@ -4198,17 +4111,17 @@
           <a:p>
             <a:r>
               <a:rPr lang="zh-CN" altLang="en-US" sz="3600" b="1" dirty="0"/>
-              <a:t>全连接</a:t>
+              <a:t>池化 </a:t>
             </a:r>
           </a:p>
         </p:txBody>
       </p:sp>
       <p:pic>
         <p:nvPicPr>
-          <p:cNvPr id="3" name="图片 2">
+          <p:cNvPr id="4" name="图片 3">
             <a:extLst>
               <a:ext uri="{FF2B5EF4-FFF2-40B4-BE49-F238E27FC236}">
-                <a16:creationId xmlns:a16="http://schemas.microsoft.com/office/drawing/2014/main" id="{25E00735-8EC1-4AE9-BDF6-9E296E720C8F}"/>
+                <a16:creationId xmlns:a16="http://schemas.microsoft.com/office/drawing/2014/main" id="{0D5CC4DA-08DB-4D9E-B367-6BA29AD6AA93}"/>
               </a:ext>
             </a:extLst>
           </p:cNvPr>
@@ -4225,38 +4138,8 @@
         </p:blipFill>
         <p:spPr>
           <a:xfrm>
-            <a:off x="3846271" y="2350008"/>
-            <a:ext cx="2414634" cy="2481707"/>
-          </a:xfrm>
-          <a:prstGeom prst="rect">
-            <a:avLst/>
-          </a:prstGeom>
-        </p:spPr>
-      </p:pic>
-      <p:pic>
-        <p:nvPicPr>
-          <p:cNvPr id="7" name="图片 6">
-            <a:extLst>
-              <a:ext uri="{FF2B5EF4-FFF2-40B4-BE49-F238E27FC236}">
-                <a16:creationId xmlns:a16="http://schemas.microsoft.com/office/drawing/2014/main" id="{0B6F7199-7CDB-420D-8FEA-7E30EDD694DB}"/>
-              </a:ext>
-            </a:extLst>
-          </p:cNvPr>
-          <p:cNvPicPr>
-            <a:picLocks noChangeAspect="1"/>
-          </p:cNvPicPr>
-          <p:nvPr/>
-        </p:nvPicPr>
-        <p:blipFill>
-          <a:blip r:embed="rId3"/>
-          <a:stretch>
-            <a:fillRect/>
-          </a:stretch>
-        </p:blipFill>
-        <p:spPr>
-          <a:xfrm>
-            <a:off x="6707455" y="1590415"/>
-            <a:ext cx="3751757" cy="3677169"/>
+            <a:off x="3342931" y="1590612"/>
+            <a:ext cx="7772482" cy="4000500"/>
           </a:xfrm>
           <a:prstGeom prst="rect">
             <a:avLst/>
@@ -4266,7 +4149,7 @@
     </p:spTree>
     <p:extLst>
       <p:ext uri="{BB962C8B-B14F-4D97-AF65-F5344CB8AC3E}">
-        <p14:creationId xmlns:p14="http://schemas.microsoft.com/office/powerpoint/2010/main" val="64552150"/>
+        <p14:creationId xmlns:p14="http://schemas.microsoft.com/office/powerpoint/2010/main" val="1498338343"/>
       </p:ext>
     </p:extLst>
   </p:cSld>
@@ -4382,6 +4265,404 @@
           </a:p>
         </p:txBody>
       </p:sp>
+      <p:sp>
+        <p:nvSpPr>
+          <p:cNvPr id="6" name="文本框 5">
+            <a:extLst>
+              <a:ext uri="{FF2B5EF4-FFF2-40B4-BE49-F238E27FC236}">
+                <a16:creationId xmlns:a16="http://schemas.microsoft.com/office/drawing/2014/main" id="{20BD7F6D-96A0-41AB-8B09-ABA4874CBCEA}"/>
+              </a:ext>
+            </a:extLst>
+          </p:cNvPr>
+          <p:cNvSpPr txBox="1"/>
+          <p:nvPr/>
+        </p:nvSpPr>
+        <p:spPr>
+          <a:xfrm>
+            <a:off x="2088860" y="2138977"/>
+            <a:ext cx="1846575" cy="646331"/>
+          </a:xfrm>
+          <a:prstGeom prst="rect">
+            <a:avLst/>
+          </a:prstGeom>
+          <a:noFill/>
+        </p:spPr>
+        <p:txBody>
+          <a:bodyPr wrap="square" rtlCol="0">
+            <a:spAutoFit/>
+          </a:bodyPr>
+          <a:lstStyle/>
+          <a:p>
+            <a:r>
+              <a:rPr lang="zh-CN" altLang="en-US" sz="3600" b="1" dirty="0"/>
+              <a:t>全连接</a:t>
+            </a:r>
+          </a:p>
+        </p:txBody>
+      </p:sp>
+      <p:pic>
+        <p:nvPicPr>
+          <p:cNvPr id="3" name="图片 2">
+            <a:extLst>
+              <a:ext uri="{FF2B5EF4-FFF2-40B4-BE49-F238E27FC236}">
+                <a16:creationId xmlns:a16="http://schemas.microsoft.com/office/drawing/2014/main" id="{25E00735-8EC1-4AE9-BDF6-9E296E720C8F}"/>
+              </a:ext>
+            </a:extLst>
+          </p:cNvPr>
+          <p:cNvPicPr>
+            <a:picLocks noChangeAspect="1"/>
+          </p:cNvPicPr>
+          <p:nvPr/>
+        </p:nvPicPr>
+        <p:blipFill>
+          <a:blip r:embed="rId2"/>
+          <a:stretch>
+            <a:fillRect/>
+          </a:stretch>
+        </p:blipFill>
+        <p:spPr>
+          <a:xfrm>
+            <a:off x="3846271" y="2350008"/>
+            <a:ext cx="2414634" cy="2481707"/>
+          </a:xfrm>
+          <a:prstGeom prst="rect">
+            <a:avLst/>
+          </a:prstGeom>
+        </p:spPr>
+      </p:pic>
+      <p:pic>
+        <p:nvPicPr>
+          <p:cNvPr id="7" name="图片 6">
+            <a:extLst>
+              <a:ext uri="{FF2B5EF4-FFF2-40B4-BE49-F238E27FC236}">
+                <a16:creationId xmlns:a16="http://schemas.microsoft.com/office/drawing/2014/main" id="{0B6F7199-7CDB-420D-8FEA-7E30EDD694DB}"/>
+              </a:ext>
+            </a:extLst>
+          </p:cNvPr>
+          <p:cNvPicPr>
+            <a:picLocks noChangeAspect="1"/>
+          </p:cNvPicPr>
+          <p:nvPr/>
+        </p:nvPicPr>
+        <p:blipFill>
+          <a:blip r:embed="rId3"/>
+          <a:stretch>
+            <a:fillRect/>
+          </a:stretch>
+        </p:blipFill>
+        <p:spPr>
+          <a:xfrm>
+            <a:off x="6707455" y="1590415"/>
+            <a:ext cx="3751757" cy="3677169"/>
+          </a:xfrm>
+          <a:prstGeom prst="rect">
+            <a:avLst/>
+          </a:prstGeom>
+        </p:spPr>
+      </p:pic>
+    </p:spTree>
+    <p:extLst>
+      <p:ext uri="{BB962C8B-B14F-4D97-AF65-F5344CB8AC3E}">
+        <p14:creationId xmlns:p14="http://schemas.microsoft.com/office/powerpoint/2010/main" val="64552150"/>
+      </p:ext>
+    </p:extLst>
+  </p:cSld>
+  <p:clrMapOvr>
+    <a:masterClrMapping/>
+  </p:clrMapOvr>
+</p:sld>
+</file>
+
+<file path=ppt/slides/slide23.xml><?xml version="1.0" encoding="utf-8"?>
+<p:sld xmlns:a="http://schemas.openxmlformats.org/drawingml/2006/main" xmlns:r="http://schemas.openxmlformats.org/officeDocument/2006/relationships" xmlns:p="http://schemas.openxmlformats.org/presentationml/2006/main">
+  <p:cSld>
+    <p:spTree>
+      <p:nvGrpSpPr>
+        <p:cNvPr id="1" name=""/>
+        <p:cNvGrpSpPr/>
+        <p:nvPr/>
+      </p:nvGrpSpPr>
+      <p:grpSpPr>
+        <a:xfrm>
+          <a:off x="0" y="0"/>
+          <a:ext cx="0" cy="0"/>
+          <a:chOff x="0" y="0"/>
+          <a:chExt cx="0" cy="0"/>
+        </a:xfrm>
+      </p:grpSpPr>
+      <p:sp>
+        <p:nvSpPr>
+          <p:cNvPr id="33" name="圆角矩形 2"/>
+          <p:cNvSpPr/>
+          <p:nvPr/>
+        </p:nvSpPr>
+        <p:spPr>
+          <a:xfrm>
+            <a:off x="1168249" y="1210414"/>
+            <a:ext cx="10331023" cy="4760896"/>
+          </a:xfrm>
+          <a:prstGeom prst="roundRect">
+            <a:avLst>
+              <a:gd name="adj" fmla="val 16667"/>
+            </a:avLst>
+          </a:prstGeom>
+          <a:solidFill>
+            <a:srgbClr val="FFFFFE">
+              <a:alpha val="50195"/>
+            </a:srgbClr>
+          </a:solidFill>
+          <a:ln w="12700">
+            <a:solidFill>
+              <a:srgbClr val="42719B"/>
+            </a:solidFill>
+            <a:miter/>
+          </a:ln>
+        </p:spPr>
+        <p:txBody>
+          <a:bodyPr lIns="45719" rIns="45719"/>
+          <a:lstStyle/>
+          <a:p>
+            <a:pPr>
+              <a:defRPr sz="2400">
+                <a:solidFill>
+                  <a:srgbClr val="FFFFFF"/>
+                </a:solidFill>
+                <a:latin typeface="黑体" panose="02010609060101010101" charset="-122"/>
+                <a:ea typeface="黑体" panose="02010609060101010101" charset="-122"/>
+                <a:cs typeface="黑体" panose="02010609060101010101" charset="-122"/>
+                <a:sym typeface="黑体" panose="02010609060101010101" charset="-122"/>
+              </a:defRPr>
+            </a:pPr>
+            <a:endParaRPr/>
+          </a:p>
+        </p:txBody>
+      </p:sp>
+      <p:sp>
+        <p:nvSpPr>
+          <p:cNvPr id="34" name="文本框 4"/>
+          <p:cNvSpPr txBox="1"/>
+          <p:nvPr/>
+        </p:nvSpPr>
+        <p:spPr>
+          <a:xfrm rot="20615195">
+            <a:off x="385350" y="328058"/>
+            <a:ext cx="1729741" cy="662941"/>
+          </a:xfrm>
+          <a:prstGeom prst="rect">
+            <a:avLst/>
+          </a:prstGeom>
+          <a:ln w="12700">
+            <a:miter lim="400000"/>
+          </a:ln>
+        </p:spPr>
+        <p:txBody>
+          <a:bodyPr wrap="none" lIns="45719" rIns="45719">
+            <a:spAutoFit/>
+          </a:bodyPr>
+          <a:lstStyle>
+            <a:lvl1pPr>
+              <a:defRPr sz="3200">
+                <a:solidFill>
+                  <a:srgbClr val="767171"/>
+                </a:solidFill>
+                <a:latin typeface="华文琥珀" panose="02010800040101010101" charset="-122"/>
+                <a:ea typeface="华文琥珀" panose="02010800040101010101" charset="-122"/>
+                <a:cs typeface="华文琥珀" panose="02010800040101010101" charset="-122"/>
+                <a:sym typeface="华文琥珀" panose="02010800040101010101" charset="-122"/>
+              </a:defRPr>
+            </a:lvl1pPr>
+          </a:lstStyle>
+          <a:p>
+            <a:r>
+              <a:t>课程内容</a:t>
+            </a:r>
+          </a:p>
+        </p:txBody>
+      </p:sp>
+      <p:sp>
+        <p:nvSpPr>
+          <p:cNvPr id="6" name="文本框 5">
+            <a:extLst>
+              <a:ext uri="{FF2B5EF4-FFF2-40B4-BE49-F238E27FC236}">
+                <a16:creationId xmlns:a16="http://schemas.microsoft.com/office/drawing/2014/main" id="{20BD7F6D-96A0-41AB-8B09-ABA4874CBCEA}"/>
+              </a:ext>
+            </a:extLst>
+          </p:cNvPr>
+          <p:cNvSpPr txBox="1"/>
+          <p:nvPr/>
+        </p:nvSpPr>
+        <p:spPr>
+          <a:xfrm>
+            <a:off x="2088860" y="2138977"/>
+            <a:ext cx="1846575" cy="646331"/>
+          </a:xfrm>
+          <a:prstGeom prst="rect">
+            <a:avLst/>
+          </a:prstGeom>
+          <a:noFill/>
+        </p:spPr>
+        <p:txBody>
+          <a:bodyPr wrap="square" rtlCol="0">
+            <a:spAutoFit/>
+          </a:bodyPr>
+          <a:lstStyle/>
+          <a:p>
+            <a:r>
+              <a:rPr lang="zh-CN" altLang="en-US" sz="3600" b="1" dirty="0"/>
+              <a:t>分类器</a:t>
+            </a:r>
+          </a:p>
+        </p:txBody>
+      </p:sp>
+      <p:pic>
+        <p:nvPicPr>
+          <p:cNvPr id="4" name="图片 3">
+            <a:extLst>
+              <a:ext uri="{FF2B5EF4-FFF2-40B4-BE49-F238E27FC236}">
+                <a16:creationId xmlns:a16="http://schemas.microsoft.com/office/drawing/2014/main" id="{9AF0AF80-936F-4BD3-B923-FF2580E14231}"/>
+              </a:ext>
+            </a:extLst>
+          </p:cNvPr>
+          <p:cNvPicPr>
+            <a:picLocks noChangeAspect="1"/>
+          </p:cNvPicPr>
+          <p:nvPr/>
+        </p:nvPicPr>
+        <p:blipFill>
+          <a:blip r:embed="rId2"/>
+          <a:stretch>
+            <a:fillRect/>
+          </a:stretch>
+        </p:blipFill>
+        <p:spPr>
+          <a:xfrm>
+            <a:off x="4140272" y="1419162"/>
+            <a:ext cx="5153025" cy="4343400"/>
+          </a:xfrm>
+          <a:prstGeom prst="rect">
+            <a:avLst/>
+          </a:prstGeom>
+        </p:spPr>
+      </p:pic>
+    </p:spTree>
+    <p:extLst>
+      <p:ext uri="{BB962C8B-B14F-4D97-AF65-F5344CB8AC3E}">
+        <p14:creationId xmlns:p14="http://schemas.microsoft.com/office/powerpoint/2010/main" val="2646093172"/>
+      </p:ext>
+    </p:extLst>
+  </p:cSld>
+  <p:clrMapOvr>
+    <a:masterClrMapping/>
+  </p:clrMapOvr>
+</p:sld>
+</file>
+
+<file path=ppt/slides/slide24.xml><?xml version="1.0" encoding="utf-8"?>
+<p:sld xmlns:a="http://schemas.openxmlformats.org/drawingml/2006/main" xmlns:r="http://schemas.openxmlformats.org/officeDocument/2006/relationships" xmlns:p="http://schemas.openxmlformats.org/presentationml/2006/main">
+  <p:cSld>
+    <p:spTree>
+      <p:nvGrpSpPr>
+        <p:cNvPr id="1" name=""/>
+        <p:cNvGrpSpPr/>
+        <p:nvPr/>
+      </p:nvGrpSpPr>
+      <p:grpSpPr>
+        <a:xfrm>
+          <a:off x="0" y="0"/>
+          <a:ext cx="0" cy="0"/>
+          <a:chOff x="0" y="0"/>
+          <a:chExt cx="0" cy="0"/>
+        </a:xfrm>
+      </p:grpSpPr>
+      <p:sp>
+        <p:nvSpPr>
+          <p:cNvPr id="33" name="圆角矩形 2"/>
+          <p:cNvSpPr/>
+          <p:nvPr/>
+        </p:nvSpPr>
+        <p:spPr>
+          <a:xfrm>
+            <a:off x="1168249" y="1210414"/>
+            <a:ext cx="10331023" cy="4760896"/>
+          </a:xfrm>
+          <a:prstGeom prst="roundRect">
+            <a:avLst>
+              <a:gd name="adj" fmla="val 16667"/>
+            </a:avLst>
+          </a:prstGeom>
+          <a:solidFill>
+            <a:srgbClr val="FFFFFE">
+              <a:alpha val="50195"/>
+            </a:srgbClr>
+          </a:solidFill>
+          <a:ln w="12700">
+            <a:solidFill>
+              <a:srgbClr val="42719B"/>
+            </a:solidFill>
+            <a:miter/>
+          </a:ln>
+        </p:spPr>
+        <p:txBody>
+          <a:bodyPr lIns="45719" rIns="45719"/>
+          <a:lstStyle/>
+          <a:p>
+            <a:pPr>
+              <a:defRPr sz="2400">
+                <a:solidFill>
+                  <a:srgbClr val="FFFFFF"/>
+                </a:solidFill>
+                <a:latin typeface="黑体" panose="02010609060101010101" charset="-122"/>
+                <a:ea typeface="黑体" panose="02010609060101010101" charset="-122"/>
+                <a:cs typeface="黑体" panose="02010609060101010101" charset="-122"/>
+                <a:sym typeface="黑体" panose="02010609060101010101" charset="-122"/>
+              </a:defRPr>
+            </a:pPr>
+            <a:endParaRPr/>
+          </a:p>
+        </p:txBody>
+      </p:sp>
+      <p:sp>
+        <p:nvSpPr>
+          <p:cNvPr id="34" name="文本框 4"/>
+          <p:cNvSpPr txBox="1"/>
+          <p:nvPr/>
+        </p:nvSpPr>
+        <p:spPr>
+          <a:xfrm rot="20615195">
+            <a:off x="385350" y="328058"/>
+            <a:ext cx="1729741" cy="662941"/>
+          </a:xfrm>
+          <a:prstGeom prst="rect">
+            <a:avLst/>
+          </a:prstGeom>
+          <a:ln w="12700">
+            <a:miter lim="400000"/>
+          </a:ln>
+        </p:spPr>
+        <p:txBody>
+          <a:bodyPr wrap="none" lIns="45719" rIns="45719">
+            <a:spAutoFit/>
+          </a:bodyPr>
+          <a:lstStyle>
+            <a:lvl1pPr>
+              <a:defRPr sz="3200">
+                <a:solidFill>
+                  <a:srgbClr val="767171"/>
+                </a:solidFill>
+                <a:latin typeface="华文琥珀" panose="02010800040101010101" charset="-122"/>
+                <a:ea typeface="华文琥珀" panose="02010800040101010101" charset="-122"/>
+                <a:cs typeface="华文琥珀" panose="02010800040101010101" charset="-122"/>
+                <a:sym typeface="华文琥珀" panose="02010800040101010101" charset="-122"/>
+              </a:defRPr>
+            </a:lvl1pPr>
+          </a:lstStyle>
+          <a:p>
+            <a:r>
+              <a:t>课程内容</a:t>
+            </a:r>
+          </a:p>
+        </p:txBody>
+      </p:sp>
     </p:spTree>
     <p:extLst>
       <p:ext uri="{BB962C8B-B14F-4D97-AF65-F5344CB8AC3E}">
@@ -4395,7 +4676,7 @@
 </p:sld>
 </file>
 
-<file path=ppt/slides/slide23.xml><?xml version="1.0" encoding="utf-8"?>
+<file path=ppt/slides/slide25.xml><?xml version="1.0" encoding="utf-8"?>
 <p:sld xmlns:a="http://schemas.openxmlformats.org/drawingml/2006/main" xmlns:r="http://schemas.openxmlformats.org/officeDocument/2006/relationships" xmlns:p="http://schemas.openxmlformats.org/presentationml/2006/main">
   <p:cSld>
     <p:spTree>
@@ -5578,7 +5859,7 @@
             </a:r>
             <a:r>
               <a:rPr lang="zh-CN" altLang="en-US" dirty="0"/>
-              <a:t>年：人工智能诞生</a:t>
+              <a:t>年：人工智能的概率诞生</a:t>
             </a:r>
             <a:endParaRPr lang="en-US" altLang="zh-CN" dirty="0"/>
           </a:p>
@@ -5819,14 +6100,6 @@
             </a:r>
             <a:r>
               <a:rPr lang="zh-CN" altLang="en-US" dirty="0"/>
-              <a:t>年～</a:t>
-            </a:r>
-            <a:r>
-              <a:rPr lang="en-US" altLang="zh-CN" dirty="0"/>
-              <a:t>1972</a:t>
-            </a:r>
-            <a:r>
-              <a:rPr lang="zh-CN" altLang="en-US" dirty="0"/>
               <a:t>年：首台人工智能机器人</a:t>
             </a:r>
             <a:r>
@@ -5835,7 +6108,7 @@
             </a:r>
             <a:r>
               <a:rPr lang="zh-CN" altLang="en-US" dirty="0"/>
-              <a:t>诞生</a:t>
+              <a:t>诞生，</a:t>
             </a:r>
           </a:p>
           <a:p>
@@ -5859,7 +6132,7 @@
             </a:r>
             <a:r>
               <a:rPr lang="zh-CN" altLang="en-US" dirty="0"/>
-              <a:t>发布</a:t>
+              <a:t>发布，</a:t>
             </a:r>
             <a:endParaRPr lang="en-US" altLang="zh-CN" dirty="0"/>
           </a:p>
@@ -5876,7 +6149,7 @@
             </a:r>
             <a:r>
               <a:rPr lang="zh-CN" altLang="en-US" dirty="0"/>
-              <a:t>年：计算机鼠标发明</a:t>
+              <a:t>年：计算机鼠标发明，</a:t>
             </a:r>
           </a:p>
         </p:txBody>
@@ -6115,7 +6388,7 @@
             </a:r>
             <a:r>
               <a:rPr lang="zh-CN" altLang="en-US" dirty="0"/>
-              <a:t>年代初，人工智能遭遇了瓶颈。</a:t>
+              <a:t>年代初，人工智能遭遇了瓶颈。由于计算机的运行和存储太小</a:t>
             </a:r>
           </a:p>
         </p:txBody>
@@ -6603,7 +6876,7 @@
             </a:r>
             <a:r>
               <a:rPr lang="zh-CN" altLang="en-US" dirty="0"/>
-              <a:t>（人工智能）之冬”</a:t>
+              <a:t>之冬”，这个时间段人们开始对人工智能开始失望。</a:t>
             </a:r>
           </a:p>
         </p:txBody>
@@ -6630,7 +6903,7 @@
         </p:blipFill>
         <p:spPr>
           <a:xfrm>
-            <a:off x="2173508" y="2710340"/>
+            <a:off x="2368316" y="2672736"/>
             <a:ext cx="8140235" cy="3052589"/>
           </a:xfrm>
           <a:prstGeom prst="rect">
@@ -6772,7 +7045,7 @@
         <p:spPr>
           <a:xfrm>
             <a:off x="1828800" y="1605703"/>
-            <a:ext cx="9170633" cy="4062651"/>
+            <a:ext cx="9170633" cy="3231654"/>
           </a:xfrm>
           <a:prstGeom prst="rect">
             <a:avLst/>
@@ -6828,61 +7101,61 @@
             </a:r>
             <a:r>
               <a:rPr lang="zh-CN" altLang="en-US" dirty="0"/>
-              <a:t>年：开发出使用自然语言回答问题的人工智能程序</a:t>
+              <a:t>年：人工智能程序</a:t>
+            </a:r>
+            <a:r>
+              <a:rPr lang="en-US" altLang="zh-CN" dirty="0"/>
+              <a:t>Watson</a:t>
+            </a:r>
+            <a:r>
+              <a:rPr lang="zh-CN" altLang="en-US" dirty="0"/>
+              <a:t>参加智力问答节目，并打败人类</a:t>
             </a:r>
             <a:endParaRPr lang="en-US" altLang="zh-CN" dirty="0"/>
           </a:p>
           <a:p>
+            <a:endParaRPr lang="en-US" altLang="zh-CN" dirty="0"/>
+          </a:p>
+          <a:p>
+            <a:r>
+              <a:rPr lang="en-US" altLang="zh-CN" dirty="0"/>
+              <a:t>2013</a:t>
+            </a:r>
+            <a:r>
+              <a:rPr lang="zh-CN" altLang="en-US" dirty="0"/>
+              <a:t>年：深度学习算法被广泛运用在产品开发中</a:t>
+            </a:r>
+            <a:endParaRPr lang="en-US" altLang="zh-CN" dirty="0"/>
+          </a:p>
+          <a:p>
             <a:endParaRPr lang="zh-CN" altLang="en-US" dirty="0"/>
           </a:p>
           <a:p>
             <a:r>
               <a:rPr lang="en-US" altLang="zh-CN" dirty="0"/>
-              <a:t>2012</a:t>
+              <a:t>2015</a:t>
             </a:r>
             <a:r>
               <a:rPr lang="zh-CN" altLang="en-US" dirty="0"/>
               <a:t>年：</a:t>
             </a:r>
             <a:r>
+              <a:rPr lang="en-US" altLang="zh-CN" dirty="0"/>
+              <a:t>Google</a:t>
+            </a:r>
+            <a:r>
+              <a:rPr lang="zh-CN" altLang="en-US" dirty="0"/>
+              <a:t>发布</a:t>
+            </a:r>
+            <a:r>
               <a:rPr lang="en-US" altLang="zh-CN" dirty="0" err="1"/>
-              <a:t>Spaun</a:t>
+              <a:t>tensorflow</a:t>
             </a:r>
             <a:r>
               <a:rPr lang="zh-CN" altLang="en-US" dirty="0"/>
-              <a:t>诞生</a:t>
+              <a:t>平台。</a:t>
             </a:r>
             <a:endParaRPr lang="en-US" altLang="zh-CN" dirty="0"/>
-          </a:p>
-          <a:p>
-            <a:endParaRPr lang="en-US" altLang="zh-CN" dirty="0"/>
-          </a:p>
-          <a:p>
-            <a:r>
-              <a:rPr lang="en-US" altLang="zh-CN" dirty="0"/>
-              <a:t>2013</a:t>
-            </a:r>
-            <a:r>
-              <a:rPr lang="zh-CN" altLang="en-US" dirty="0"/>
-              <a:t>年：深度学习算法被广泛运用在产品开发中</a:t>
-            </a:r>
-            <a:endParaRPr lang="en-US" altLang="zh-CN" dirty="0"/>
-          </a:p>
-          <a:p>
-            <a:endParaRPr lang="zh-CN" altLang="en-US" dirty="0"/>
-          </a:p>
-          <a:p>
-            <a:r>
-              <a:rPr lang="en-US" altLang="zh-CN" dirty="0"/>
-              <a:t>2015</a:t>
-            </a:r>
-            <a:r>
-              <a:rPr lang="zh-CN" altLang="en-US" dirty="0"/>
-              <a:t>年：人工智能突破之年</a:t>
-            </a:r>
-          </a:p>
-          <a:p>
-            <a:endParaRPr lang="zh-CN" altLang="en-US" dirty="0"/>
           </a:p>
         </p:txBody>
       </p:sp>
